--- a/lectures/10/1_Data Analysis.pptx
+++ b/lectures/10/1_Data Analysis.pptx
@@ -6928,7 +6928,7 @@
           <a:p>
             <a:fld id="{73B2889B-A0AC-4482-8592-5C96F2309420}" type="datetimeFigureOut">
               <a:rPr lang="en-US" smtClean="0"/>
-              <a:t>10/24/2021</a:t>
+              <a:t>10/25/2021</a:t>
             </a:fld>
             <a:endParaRPr lang="en-US"/>
           </a:p>
@@ -7105,7 +7105,7 @@
           <a:p>
             <a:fld id="{830EB223-FFC0-462A-A3B8-EAA7CE0F8CBD}" type="datetimeFigureOut">
               <a:rPr lang="en-US" smtClean="0"/>
-              <a:t>10/24/2021</a:t>
+              <a:t>10/25/2021</a:t>
             </a:fld>
             <a:endParaRPr lang="en-US" dirty="0"/>
           </a:p>
@@ -9371,15 +9371,7 @@
             </a:pPr>
             <a:r>
               <a:rPr lang="en-US" sz="1200" dirty="0"/>
-              <a:t>For </a:t>
-            </a:r>
-            <a:r>
-              <a:rPr lang="en-US" sz="1200" dirty="0" err="1"/>
-              <a:t>mean:SD</a:t>
-            </a:r>
-            <a:r>
-              <a:rPr lang="en-US" sz="1200" dirty="0"/>
-              <a:t>/square root(n)  note: SD is standard deviation</a:t>
+              <a:t>For mean: SD/square root(n)  note: SD is standard deviation</a:t>
             </a:r>
           </a:p>
           <a:p>
@@ -10206,7 +10198,7 @@
           <a:p>
             <a:fld id="{8AF234EC-1E1E-4781-99A9-0A28CCB2B4BE}" type="datetime1">
               <a:rPr lang="en-US" smtClean="0"/>
-              <a:t>10/24/2021</a:t>
+              <a:t>10/25/2021</a:t>
             </a:fld>
             <a:endParaRPr lang="en-US" dirty="0"/>
           </a:p>
@@ -10408,7 +10400,7 @@
           <a:p>
             <a:fld id="{22A9C4EA-047E-4A78-A42D-B75F2DB9C834}" type="datetime1">
               <a:rPr lang="en-US" smtClean="0"/>
-              <a:t>10/24/2021</a:t>
+              <a:t>10/25/2021</a:t>
             </a:fld>
             <a:endParaRPr lang="en-US" dirty="0"/>
           </a:p>
@@ -10620,7 +10612,7 @@
           <a:p>
             <a:fld id="{AC42DE87-5538-44B3-819A-CF13FBCDF38E}" type="datetime1">
               <a:rPr lang="en-US" smtClean="0"/>
-              <a:t>10/24/2021</a:t>
+              <a:t>10/25/2021</a:t>
             </a:fld>
             <a:endParaRPr lang="en-US" dirty="0"/>
           </a:p>
@@ -10844,7 +10836,7 @@
           <a:p>
             <a:fld id="{DECF21A4-E71B-4D3A-AF45-E989C23A7BB1}" type="datetimeFigureOut">
               <a:rPr lang="en-US" smtClean="0"/>
-              <a:t>10/24/2021</a:t>
+              <a:t>10/25/2021</a:t>
             </a:fld>
             <a:endParaRPr lang="en-US" dirty="0"/>
           </a:p>
@@ -11042,7 +11034,7 @@
           <a:p>
             <a:fld id="{DECF21A4-E71B-4D3A-AF45-E989C23A7BB1}" type="datetimeFigureOut">
               <a:rPr lang="en-US" smtClean="0"/>
-              <a:t>10/24/2021</a:t>
+              <a:t>10/25/2021</a:t>
             </a:fld>
             <a:endParaRPr lang="en-US" dirty="0"/>
           </a:p>
@@ -11317,7 +11309,7 @@
           <a:p>
             <a:fld id="{DECF21A4-E71B-4D3A-AF45-E989C23A7BB1}" type="datetimeFigureOut">
               <a:rPr lang="en-US" smtClean="0"/>
-              <a:t>10/24/2021</a:t>
+              <a:t>10/25/2021</a:t>
             </a:fld>
             <a:endParaRPr lang="en-US" dirty="0"/>
           </a:p>
@@ -11582,7 +11574,7 @@
           <a:p>
             <a:fld id="{DECF21A4-E71B-4D3A-AF45-E989C23A7BB1}" type="datetimeFigureOut">
               <a:rPr lang="en-US" smtClean="0"/>
-              <a:t>10/24/2021</a:t>
+              <a:t>10/25/2021</a:t>
             </a:fld>
             <a:endParaRPr lang="en-US" dirty="0"/>
           </a:p>
@@ -11994,7 +11986,7 @@
           <a:p>
             <a:fld id="{DECF21A4-E71B-4D3A-AF45-E989C23A7BB1}" type="datetimeFigureOut">
               <a:rPr lang="en-US" smtClean="0"/>
-              <a:t>10/24/2021</a:t>
+              <a:t>10/25/2021</a:t>
             </a:fld>
             <a:endParaRPr lang="en-US" dirty="0"/>
           </a:p>
@@ -12135,7 +12127,7 @@
           <a:p>
             <a:fld id="{DECF21A4-E71B-4D3A-AF45-E989C23A7BB1}" type="datetimeFigureOut">
               <a:rPr lang="en-US" smtClean="0"/>
-              <a:t>10/24/2021</a:t>
+              <a:t>10/25/2021</a:t>
             </a:fld>
             <a:endParaRPr lang="en-US" dirty="0"/>
           </a:p>
@@ -12248,7 +12240,7 @@
           <a:p>
             <a:fld id="{DECF21A4-E71B-4D3A-AF45-E989C23A7BB1}" type="datetimeFigureOut">
               <a:rPr lang="en-US" smtClean="0"/>
-              <a:t>10/24/2021</a:t>
+              <a:t>10/25/2021</a:t>
             </a:fld>
             <a:endParaRPr lang="en-US" dirty="0"/>
           </a:p>
@@ -12559,7 +12551,7 @@
           <a:p>
             <a:fld id="{DECF21A4-E71B-4D3A-AF45-E989C23A7BB1}" type="datetimeFigureOut">
               <a:rPr lang="en-US" smtClean="0"/>
-              <a:t>10/24/2021</a:t>
+              <a:t>10/25/2021</a:t>
             </a:fld>
             <a:endParaRPr lang="en-US" dirty="0"/>
           </a:p>
@@ -12757,7 +12749,7 @@
           <a:p>
             <a:fld id="{18063F28-525C-4D2F-9462-E350E3E64AF6}" type="datetime1">
               <a:rPr lang="en-US" smtClean="0"/>
-              <a:t>10/24/2021</a:t>
+              <a:t>10/25/2021</a:t>
             </a:fld>
             <a:endParaRPr lang="en-US" dirty="0"/>
           </a:p>
@@ -13053,7 +13045,7 @@
           <a:p>
             <a:fld id="{DECF21A4-E71B-4D3A-AF45-E989C23A7BB1}" type="datetimeFigureOut">
               <a:rPr lang="en-US" smtClean="0"/>
-              <a:t>10/24/2021</a:t>
+              <a:t>10/25/2021</a:t>
             </a:fld>
             <a:endParaRPr lang="en-US" dirty="0"/>
           </a:p>
@@ -13251,7 +13243,7 @@
           <a:p>
             <a:fld id="{DECF21A4-E71B-4D3A-AF45-E989C23A7BB1}" type="datetimeFigureOut">
               <a:rPr lang="en-US" smtClean="0"/>
-              <a:t>10/24/2021</a:t>
+              <a:t>10/25/2021</a:t>
             </a:fld>
             <a:endParaRPr lang="en-US" dirty="0"/>
           </a:p>
@@ -13459,7 +13451,7 @@
           <a:p>
             <a:fld id="{DECF21A4-E71B-4D3A-AF45-E989C23A7BB1}" type="datetimeFigureOut">
               <a:rPr lang="en-US" smtClean="0"/>
-              <a:t>10/24/2021</a:t>
+              <a:t>10/25/2021</a:t>
             </a:fld>
             <a:endParaRPr lang="en-US" dirty="0"/>
           </a:p>
@@ -13734,7 +13726,7 @@
           <a:p>
             <a:fld id="{37CF39F8-67D0-454E-8A32-D01189D240B4}" type="datetime1">
               <a:rPr lang="en-US" smtClean="0"/>
-              <a:t>10/24/2021</a:t>
+              <a:t>10/25/2021</a:t>
             </a:fld>
             <a:endParaRPr lang="en-US" dirty="0"/>
           </a:p>
@@ -14003,7 +13995,7 @@
           <a:p>
             <a:fld id="{710022DA-7B43-4B05-9EB2-95FA5414D608}" type="datetime1">
               <a:rPr lang="en-US" smtClean="0"/>
-              <a:t>10/24/2021</a:t>
+              <a:t>10/25/2021</a:t>
             </a:fld>
             <a:endParaRPr lang="en-US" dirty="0"/>
           </a:p>
@@ -14419,7 +14411,7 @@
           <a:p>
             <a:fld id="{DCC0965F-5C4D-4D57-8560-49DE2E8F69E1}" type="datetime1">
               <a:rPr lang="en-US" smtClean="0"/>
-              <a:t>10/24/2021</a:t>
+              <a:t>10/25/2021</a:t>
             </a:fld>
             <a:endParaRPr lang="en-US" dirty="0"/>
           </a:p>
@@ -14564,7 +14556,7 @@
           <a:p>
             <a:fld id="{E470E1BA-6770-4704-AEF1-C1E53A826593}" type="datetime1">
               <a:rPr lang="en-US" smtClean="0"/>
-              <a:t>10/24/2021</a:t>
+              <a:t>10/25/2021</a:t>
             </a:fld>
             <a:endParaRPr lang="en-US" dirty="0"/>
           </a:p>
@@ -14681,7 +14673,7 @@
           <a:p>
             <a:fld id="{6D69FE86-AC42-4784-A62A-371E4E04F25D}" type="datetime1">
               <a:rPr lang="en-US" smtClean="0"/>
-              <a:t>10/24/2021</a:t>
+              <a:t>10/25/2021</a:t>
             </a:fld>
             <a:endParaRPr lang="en-US" dirty="0"/>
           </a:p>
@@ -14996,7 +14988,7 @@
           <a:p>
             <a:fld id="{563FD4EB-8A2B-4B15-81B4-AF489665346C}" type="datetime1">
               <a:rPr lang="en-US" smtClean="0"/>
-              <a:t>10/24/2021</a:t>
+              <a:t>10/25/2021</a:t>
             </a:fld>
             <a:endParaRPr lang="en-US" dirty="0"/>
           </a:p>
@@ -15292,7 +15284,7 @@
           <a:p>
             <a:fld id="{5AFB6B90-020F-4ADD-B4E0-542FB5BFAA23}" type="datetime1">
               <a:rPr lang="en-US" smtClean="0"/>
-              <a:t>10/24/2021</a:t>
+              <a:t>10/25/2021</a:t>
             </a:fld>
             <a:endParaRPr lang="en-US" dirty="0"/>
           </a:p>
@@ -15537,7 +15529,7 @@
           <a:p>
             <a:fld id="{BF3C8070-8CAD-4030-857E-B3DF8F925AC3}" type="datetime1">
               <a:rPr lang="en-US" smtClean="0"/>
-              <a:t>10/24/2021</a:t>
+              <a:t>10/25/2021</a:t>
             </a:fld>
             <a:endParaRPr lang="en-US" dirty="0"/>
           </a:p>
@@ -16110,7 +16102,7 @@
           <a:p>
             <a:fld id="{DECF21A4-E71B-4D3A-AF45-E989C23A7BB1}" type="datetimeFigureOut">
               <a:rPr lang="en-US" smtClean="0"/>
-              <a:t>10/24/2021</a:t>
+              <a:t>10/25/2021</a:t>
             </a:fld>
             <a:endParaRPr lang="en-US" dirty="0"/>
           </a:p>
@@ -21895,7 +21887,7 @@
               <a:buNone/>
             </a:pPr>
             <a:r>
-              <a:rPr lang="en-US" sz="2200" b="0" i="0">
+              <a:rPr lang="en-US" sz="2200" b="0" i="0" dirty="0">
                 <a:effectLst/>
                 <a:latin typeface="Roboto" panose="02000000000000000000" pitchFamily="2" charset="0"/>
               </a:rPr>
@@ -21907,22 +21899,22 @@
               <a:buNone/>
             </a:pPr>
             <a:r>
-              <a:rPr lang="en-US" sz="2200">
+              <a:rPr lang="en-US" sz="2200" dirty="0">
                 <a:latin typeface="Roboto" panose="02000000000000000000" pitchFamily="2" charset="0"/>
               </a:rPr>
               <a:t>T</a:t>
             </a:r>
             <a:r>
-              <a:rPr lang="en-US" sz="2200" b="0" i="0">
+              <a:rPr lang="en-US" sz="2200" b="0" i="0" dirty="0">
                 <a:effectLst/>
                 <a:latin typeface="Roboto" panose="02000000000000000000" pitchFamily="2" charset="0"/>
               </a:rPr>
               <a:t>he standard error of the mean (SEM) measures how far the sample mean (average) of the data is likely to be from the true population mean.</a:t>
             </a:r>
-            <a:endParaRPr lang="en-US" sz="2200"/>
-          </a:p>
-          <a:p>
-            <a:endParaRPr lang="en-US" sz="2200"/>
+            <a:endParaRPr lang="en-US" sz="2200" dirty="0"/>
+          </a:p>
+          <a:p>
+            <a:endParaRPr lang="en-US" sz="2200" dirty="0"/>
           </a:p>
         </p:txBody>
       </p:sp>
@@ -33700,7 +33692,7 @@
               <a:buNone/>
             </a:pPr>
             <a:r>
-              <a:rPr lang="en-US" sz="2200" b="0">
+              <a:rPr lang="en-US" sz="2200" b="0" dirty="0">
                 <a:latin typeface="Arial"/>
                 <a:ea typeface="Arial"/>
                 <a:cs typeface="Arial"/>
@@ -33709,10 +33701,10 @@
               <a:t>Those who dine out on Wednesday’s, spend on an average $45.2, SD = 20, n = 500, </a:t>
             </a:r>
             <a:r>
-              <a:rPr lang="en-US" sz="2200"/>
+              <a:rPr lang="en-US" sz="2200" dirty="0"/>
               <a:t>95% confidence (t = 1.96)</a:t>
             </a:r>
-            <a:endParaRPr lang="en-US" sz="2200" b="0">
+            <a:endParaRPr lang="en-US" sz="2200" b="0" dirty="0">
               <a:latin typeface="Arial"/>
               <a:ea typeface="Arial"/>
               <a:cs typeface="Arial"/>
@@ -35854,11 +35846,12 @@
 </file>
 
 <file path=customXml/item1.xml><?xml version="1.0" encoding="utf-8"?>
-<p:properties xmlns:p="http://schemas.microsoft.com/office/2006/metadata/properties" xmlns:xsi="http://www.w3.org/2001/XMLSchema-instance" xmlns:pc="http://schemas.microsoft.com/office/infopath/2007/PartnerControls">
-  <documentManagement>
-    <MediaServiceKeyPoints xmlns="71af3243-3dd4-4a8d-8c0d-dd76da1f02a5" xsi:nil="true"/>
-  </documentManagement>
-</p:properties>
+<?mso-contentType ?>
+<FormTemplates xmlns="http://schemas.microsoft.com/sharepoint/v3/contenttype/forms">
+  <Display>DocumentLibraryForm</Display>
+  <Edit>DocumentLibraryForm</Edit>
+  <New>DocumentLibraryForm</New>
+</FormTemplates>
 </file>
 
 <file path=customXml/item2.xml><?xml version="1.0" encoding="utf-8"?>
@@ -36073,20 +36066,17 @@
 </file>
 
 <file path=customXml/item3.xml><?xml version="1.0" encoding="utf-8"?>
-<?mso-contentType ?>
-<FormTemplates xmlns="http://schemas.microsoft.com/sharepoint/v3/contenttype/forms">
-  <Display>DocumentLibraryForm</Display>
-  <Edit>DocumentLibraryForm</Edit>
-  <New>DocumentLibraryForm</New>
-</FormTemplates>
+<p:properties xmlns:p="http://schemas.microsoft.com/office/2006/metadata/properties" xmlns:xsi="http://www.w3.org/2001/XMLSchema-instance" xmlns:pc="http://schemas.microsoft.com/office/infopath/2007/PartnerControls">
+  <documentManagement>
+    <MediaServiceKeyPoints xmlns="71af3243-3dd4-4a8d-8c0d-dd76da1f02a5" xsi:nil="true"/>
+  </documentManagement>
+</p:properties>
 </file>
 
 <file path=customXml/itemProps1.xml><?xml version="1.0" encoding="utf-8"?>
-<ds:datastoreItem xmlns:ds="http://schemas.openxmlformats.org/officeDocument/2006/customXml" ds:itemID="{03C7D9E6-B0D9-433E-BD46-EB60F64F4DA8}">
+<ds:datastoreItem xmlns:ds="http://schemas.openxmlformats.org/officeDocument/2006/customXml" ds:itemID="{5CA875DA-F9FD-4F83-A049-3B1027B542DE}">
   <ds:schemaRefs>
-    <ds:schemaRef ds:uri="http://schemas.microsoft.com/office/2006/metadata/properties"/>
-    <ds:schemaRef ds:uri="http://schemas.microsoft.com/office/infopath/2007/PartnerControls"/>
-    <ds:schemaRef ds:uri="71af3243-3dd4-4a8d-8c0d-dd76da1f02a5"/>
+    <ds:schemaRef ds:uri="http://schemas.microsoft.com/sharepoint/v3/contenttype/forms"/>
   </ds:schemaRefs>
 </ds:datastoreItem>
 </file>
@@ -36111,9 +36101,11 @@
 </file>
 
 <file path=customXml/itemProps3.xml><?xml version="1.0" encoding="utf-8"?>
-<ds:datastoreItem xmlns:ds="http://schemas.openxmlformats.org/officeDocument/2006/customXml" ds:itemID="{5CA875DA-F9FD-4F83-A049-3B1027B542DE}">
+<ds:datastoreItem xmlns:ds="http://schemas.openxmlformats.org/officeDocument/2006/customXml" ds:itemID="{03C7D9E6-B0D9-433E-BD46-EB60F64F4DA8}">
   <ds:schemaRefs>
-    <ds:schemaRef ds:uri="http://schemas.microsoft.com/sharepoint/v3/contenttype/forms"/>
+    <ds:schemaRef ds:uri="http://schemas.microsoft.com/office/2006/metadata/properties"/>
+    <ds:schemaRef ds:uri="http://schemas.microsoft.com/office/infopath/2007/PartnerControls"/>
+    <ds:schemaRef ds:uri="71af3243-3dd4-4a8d-8c0d-dd76da1f02a5"/>
   </ds:schemaRefs>
 </ds:datastoreItem>
 </file>